--- a/Trabalho 2 Computacao Paralela.pptx
+++ b/Trabalho 2 Computacao Paralela.pptx
@@ -3566,8 +3566,8 @@
           </a:p>
         </p:txBody>
       </p:sp>
-      <mc:AlternateContent xmlns:mc="http://schemas.openxmlformats.org/markup-compatibility/2006">
-        <mc:Choice xmlns:a14="http://schemas.microsoft.com/office/drawing/2010/main" Requires="a14">
+      <mc:AlternateContent xmlns:mc="http://schemas.openxmlformats.org/markup-compatibility/2006" xmlns:a14="http://schemas.microsoft.com/office/drawing/2010/main">
+        <mc:Choice Requires="a14">
           <p:sp>
             <p:nvSpPr>
               <p:cNvPr id="3" name="Content Placeholder 2"/>
@@ -4465,7 +4465,7 @@
             </p:txBody>
           </p:sp>
         </mc:Choice>
-        <mc:Fallback>
+        <mc:Fallback xmlns="">
           <p:sp>
             <p:nvSpPr>
               <p:cNvPr id="3" name="Content Placeholder 2"/>
@@ -6006,8 +6006,8 @@
           </a:p>
         </p:txBody>
       </p:sp>
-      <mc:AlternateContent xmlns:mc="http://schemas.openxmlformats.org/markup-compatibility/2006">
-        <mc:Choice xmlns:a14="http://schemas.microsoft.com/office/drawing/2010/main" Requires="a14">
+      <mc:AlternateContent xmlns:mc="http://schemas.openxmlformats.org/markup-compatibility/2006" xmlns:a14="http://schemas.microsoft.com/office/drawing/2010/main">
+        <mc:Choice Requires="a14">
           <p:sp>
             <p:nvSpPr>
               <p:cNvPr id="3" name="Espaço Reservado para Conteúdo 2">
@@ -6731,7 +6731,7 @@
             </p:txBody>
           </p:sp>
         </mc:Choice>
-        <mc:Fallback>
+        <mc:Fallback xmlns="">
           <p:sp>
             <p:nvSpPr>
               <p:cNvPr id="3" name="Espaço Reservado para Conteúdo 2">
@@ -6913,7 +6913,7 @@
                 <a:hlinkClick r:id="rId2">
                   <a:extLst>
                     <a:ext uri="{A12FA001-AC4F-418D-AE19-62706E023703}">
-                      <ahyp:hlinkClr xmlns:ahyp="http://schemas.microsoft.com/office/drawing/2018/hyperlinkcolor" xmlns="" val="tx"/>
+                      <ahyp:hlinkClr xmlns="" xmlns:ahyp="http://schemas.microsoft.com/office/drawing/2018/hyperlinkcolor" val="tx"/>
                     </a:ext>
                   </a:extLst>
                 </a:hlinkClick>
@@ -6928,7 +6928,7 @@
                 <a:hlinkClick r:id="rId2">
                   <a:extLst>
                     <a:ext uri="{A12FA001-AC4F-418D-AE19-62706E023703}">
-                      <ahyp:hlinkClr xmlns:ahyp="http://schemas.microsoft.com/office/drawing/2018/hyperlinkcolor" xmlns="" val="tx"/>
+                      <ahyp:hlinkClr xmlns="" xmlns:ahyp="http://schemas.microsoft.com/office/drawing/2018/hyperlinkcolor" val="tx"/>
                     </a:ext>
                   </a:extLst>
                 </a:hlinkClick>
@@ -6994,23 +6994,54 @@
                   <a:srgbClr val="0070C0"/>
                 </a:solidFill>
               </a:rPr>
-              <a:t>3) https://</a:t>
-            </a:r>
-            <a:r>
-              <a:rPr lang="pt-BR" sz="2000" dirty="0" smtClean="0">
-                <a:solidFill>
-                  <a:srgbClr val="0070C0"/>
-                </a:solidFill>
-              </a:rPr>
-              <a:t>github.com/Roberto-Hoo/Trabalho2-Computacao-paralela-18Maio2021</a:t>
-            </a:r>
-            <a:endParaRPr lang="pt-BR" sz="2000" dirty="0">
+              <a:t>3) </a:t>
+            </a:r>
+            <a:r>
+              <a:rPr lang="pt-BR" sz="2000">
+                <a:solidFill>
+                  <a:srgbClr val="0070C0"/>
+                </a:solidFill>
+                <a:hlinkClick r:id="rId4"/>
+              </a:rPr>
+              <a:t>https</a:t>
+            </a:r>
+            <a:r>
+              <a:rPr lang="pt-BR" sz="2000">
+                <a:solidFill>
+                  <a:srgbClr val="0070C0"/>
+                </a:solidFill>
+                <a:hlinkClick r:id="rId4"/>
+              </a:rPr>
+              <a:t>://https</a:t>
+            </a:r>
+            <a:r>
+              <a:rPr lang="pt-BR" sz="2000">
+                <a:solidFill>
+                  <a:srgbClr val="0070C0"/>
+                </a:solidFill>
+                <a:hlinkClick r:id="rId4"/>
+              </a:rPr>
+              <a:t>://</a:t>
+            </a:r>
+            <a:r>
+              <a:rPr lang="pt-BR" sz="2000" smtClean="0">
+                <a:solidFill>
+                  <a:srgbClr val="0070C0"/>
+                </a:solidFill>
+                <a:hlinkClick r:id="rId4"/>
+              </a:rPr>
+              <a:t>github.com/Roberto-Hoo/Trabalho2-ComputacaoParalela-18maio2021</a:t>
+            </a:r>
+            <a:endParaRPr lang="pt-BR" sz="2000" smtClean="0">
               <a:solidFill>
                 <a:srgbClr val="0070C0"/>
               </a:solidFill>
             </a:endParaRPr>
           </a:p>
           <a:p>
+            <a:pPr marL="0" indent="0">
+              <a:buNone/>
+            </a:pPr>
             <a:endParaRPr lang="pt-BR" sz="2000" dirty="0">
               <a:solidFill>
                 <a:srgbClr val="0070C0"/>
@@ -8067,8 +8098,8 @@
           </a:p>
         </p:txBody>
       </p:sp>
-      <mc:AlternateContent xmlns:mc="http://schemas.openxmlformats.org/markup-compatibility/2006">
-        <mc:Choice xmlns:a14="http://schemas.microsoft.com/office/drawing/2010/main" Requires="a14">
+      <mc:AlternateContent xmlns:mc="http://schemas.openxmlformats.org/markup-compatibility/2006" xmlns:a14="http://schemas.microsoft.com/office/drawing/2010/main">
+        <mc:Choice Requires="a14">
           <p:sp>
             <p:nvSpPr>
               <p:cNvPr id="3" name="Content Placeholder 2"/>
@@ -8100,11 +8131,7 @@
               <a:p>
                 <a:r>
                   <a:rPr lang="pt-BR" dirty="0" smtClean="0"/>
-                  <a:t>2) Ajustar as diferenças finitas usando a condição inicial e as condições de </a:t>
-                </a:r>
-                <a:r>
-                  <a:rPr lang="pt-BR" dirty="0" smtClean="0"/>
-                  <a:t>fronteira</a:t>
+                  <a:t>2) Ajustar as diferenças finitas usando a condição inicial e as condições de fronteira</a:t>
                 </a:r>
               </a:p>
               <a:p>
@@ -8113,15 +8140,7 @@
               <a:p>
                 <a:r>
                   <a:rPr lang="pt-BR" dirty="0" smtClean="0"/>
-                  <a:t>3) </a:t>
-                </a:r>
-                <a:r>
-                  <a:rPr lang="pt-BR" dirty="0" smtClean="0"/>
-                  <a:t>Resolver os sistema não linear gerado pelos passos 1) e 2) por meio do método de Newton (6 iterações do método de Newton</a:t>
-                </a:r>
-                <a:r>
-                  <a:rPr lang="pt-BR" dirty="0" smtClean="0"/>
-                  <a:t>).</a:t>
+                  <a:t>3) Resolver os sistema não linear gerado pelos passos 1) e 2) por meio do método de Newton (6 iterações do método de Newton).</a:t>
                 </a:r>
               </a:p>
               <a:p>
@@ -8130,15 +8149,7 @@
               <a:p>
                 <a:r>
                   <a:rPr lang="pt-BR" dirty="0" smtClean="0"/>
-                  <a:t>4) </a:t>
-                </a:r>
-                <a:r>
-                  <a:rPr lang="pt-BR" dirty="0" smtClean="0"/>
-                  <a:t>C/C++ não tem por padrão uma rotina que calcula a inversa de </a:t>
-                </a:r>
-                <a:r>
-                  <a:rPr lang="pt-BR" dirty="0" smtClean="0"/>
-                  <a:t>DF = </a:t>
+                  <a:t>4) C/C++ não tem por padrão uma rotina que calcula a inversa de DF = </a:t>
                 </a:r>
                 <a:r>
                   <a:rPr lang="pt-BR" dirty="0" err="1" smtClean="0"/>
@@ -8146,11 +8157,7 @@
                 </a:r>
                 <a:r>
                   <a:rPr lang="pt-BR" dirty="0" smtClean="0"/>
-                  <a:t> F no método de Newton, </a:t>
-                </a:r>
-                <a:r>
-                  <a:rPr lang="pt-BR" dirty="0" smtClean="0"/>
-                  <a:t>resolvemos então o sistema </a:t>
+                  <a:t> F no método de Newton, resolvemos então o sistema </a:t>
                 </a:r>
                 <a14:m>
                   <m:oMath xmlns:m="http://schemas.openxmlformats.org/officeDocument/2006/math">
@@ -8203,23 +8210,7 @@
                 </a14:m>
                 <a:r>
                   <a:rPr lang="pt-BR" dirty="0" smtClean="0"/>
-                  <a:t>   por meio de  </a:t>
-                </a:r>
-                <a:r>
-                  <a:rPr lang="pt-BR" dirty="0" smtClean="0"/>
-                  <a:t>iterações de </a:t>
-                </a:r>
-                <a:r>
-                  <a:rPr lang="pt-BR" dirty="0" smtClean="0"/>
-                  <a:t>Jacobi </a:t>
-                </a:r>
-                <a:r>
-                  <a:rPr lang="pt-BR" dirty="0" smtClean="0"/>
-                  <a:t>  </a:t>
-                </a:r>
-                <a:r>
-                  <a:rPr lang="pt-BR" dirty="0" smtClean="0"/>
-                  <a:t>( usando a rotina </a:t>
+                  <a:t>   por meio de  iterações de Jacobi   ( usando a rotina </a:t>
                 </a:r>
                 <a:r>
                   <a:rPr lang="pt-BR" dirty="0" err="1" smtClean="0"/>
@@ -8242,7 +8233,7 @@
             </p:txBody>
           </p:sp>
         </mc:Choice>
-        <mc:Fallback>
+        <mc:Fallback xmlns="">
           <p:sp>
             <p:nvSpPr>
               <p:cNvPr id="3" name="Content Placeholder 2"/>

--- a/Trabalho 2 Computacao Paralela.pptx
+++ b/Trabalho 2 Computacao Paralela.pptx
@@ -6006,8 +6006,8 @@
           </a:p>
         </p:txBody>
       </p:sp>
-      <mc:AlternateContent xmlns:mc="http://schemas.openxmlformats.org/markup-compatibility/2006" xmlns:a14="http://schemas.microsoft.com/office/drawing/2010/main">
-        <mc:Choice Requires="a14">
+      <mc:AlternateContent xmlns:mc="http://schemas.openxmlformats.org/markup-compatibility/2006">
+        <mc:Choice xmlns:a14="http://schemas.microsoft.com/office/drawing/2010/main" Requires="a14">
           <p:sp>
             <p:nvSpPr>
               <p:cNvPr id="3" name="Espaço Reservado para Conteúdo 2">
@@ -6119,7 +6119,15 @@
                 </a:r>
                 <a:r>
                   <a:rPr lang="pt-BR" sz="2400" dirty="0" smtClean="0"/>
-                  <a:t>) Foi usado uma malha pequena 101x101, log não houve diferença no tempo entre </a:t>
+                  <a:t>) Foi usado uma malha pequena 101x101, </a:t>
+                </a:r>
+                <a:r>
+                  <a:rPr lang="pt-BR" sz="2400" dirty="0" smtClean="0"/>
+                  <a:t>logo </a:t>
+                </a:r>
+                <a:r>
+                  <a:rPr lang="pt-BR" sz="2400" dirty="0" smtClean="0"/>
+                  <a:t>não houve diferença no tempo entre </a:t>
                 </a:r>
                 <a:r>
                   <a:rPr lang="pt-BR" sz="2400" dirty="0" err="1" smtClean="0"/>
@@ -6142,12 +6150,6 @@
                   <a:rPr lang="pt-BR" sz="2400" dirty="0"/>
                   <a:t> </a:t>
                 </a:r>
-                <a:endParaRPr lang="pt-BR" sz="2400" dirty="0" smtClean="0"/>
-              </a:p>
-              <a:p>
-                <a:pPr marL="0" indent="0">
-                  <a:buNone/>
-                </a:pPr>
                 <a:endParaRPr lang="pt-BR" sz="2400" dirty="0" smtClean="0"/>
               </a:p>
               <a:p>
@@ -6537,15 +6539,42 @@
                 <a:pPr marL="0" indent="0">
                   <a:buNone/>
                 </a:pPr>
-                <a:endParaRPr lang="pt-BR" sz="2400" dirty="0" smtClean="0"/>
-              </a:p>
-              <a:p>
-                <a:pPr marL="0" indent="0">
-                  <a:buNone/>
-                </a:pPr>
                 <a:r>
                   <a:rPr lang="pt-BR" sz="2400" dirty="0" smtClean="0"/>
-                  <a:t>7) No método de Jacobi foi feito 80 iterações para achar s no sistema</a:t>
+                  <a:t>7) </a:t>
+                </a:r>
+                <a:r>
+                  <a:rPr lang="pt-BR" sz="2400" dirty="0" smtClean="0"/>
+                  <a:t>Em cada iteração do método de Newton foi </a:t>
+                </a:r>
+                <a:r>
+                  <a:rPr lang="pt-BR" sz="2400" dirty="0" smtClean="0"/>
+                  <a:t>feito 80 iterações </a:t>
+                </a:r>
+                <a:r>
+                  <a:rPr lang="pt-BR" sz="2400" dirty="0" smtClean="0"/>
+                  <a:t>pelo método de Jacobi para </a:t>
+                </a:r>
+                <a:r>
+                  <a:rPr lang="pt-BR" sz="2400" dirty="0" smtClean="0"/>
+                  <a:t>achar </a:t>
+                </a:r>
+                <a14:m>
+                  <m:oMath xmlns:m="http://schemas.openxmlformats.org/officeDocument/2006/math">
+                    <m:r>
+                      <a:rPr lang="pt-BR" sz="2400" b="1" i="1">
+                        <a:solidFill>
+                          <a:srgbClr val="0070C0"/>
+                        </a:solidFill>
+                        <a:latin typeface="Cambria Math" panose="02040503050406030204" pitchFamily="18" charset="0"/>
+                      </a:rPr>
+                      <m:t>𝒔</m:t>
+                    </m:r>
+                  </m:oMath>
+                </a14:m>
+                <a:r>
+                  <a:rPr lang="pt-BR" sz="2400" dirty="0" smtClean="0"/>
+                  <a:t> no sistema</a:t>
                 </a:r>
                 <a14:m>
                   <m:oMath xmlns:m="http://schemas.openxmlformats.org/officeDocument/2006/math">
@@ -6726,12 +6755,39 @@
                 <a:endParaRPr lang="pt-BR" sz="2400" dirty="0" smtClean="0"/>
               </a:p>
               <a:p>
+                <a:pPr marL="0" indent="0">
+                  <a:buNone/>
+                </a:pPr>
+                <a:r>
+                  <a:rPr lang="pt-BR" sz="2400" dirty="0" smtClean="0"/>
+                  <a:t>8) No código em paralelo foi usado apenas </a:t>
+                </a:r>
+                <a:r>
+                  <a:rPr lang="pt-BR" sz="2400" dirty="0" err="1" smtClean="0"/>
+                  <a:t>MPI_Bcast</a:t>
+                </a:r>
+                <a:r>
+                  <a:rPr lang="pt-BR" sz="2400" dirty="0" smtClean="0"/>
+                  <a:t>, dentro da </a:t>
+                </a:r>
+                <a:r>
+                  <a:rPr lang="pt-BR" sz="2400" dirty="0" err="1" smtClean="0"/>
+                  <a:t>subrotina</a:t>
+                </a:r>
+                <a:r>
+                  <a:rPr lang="pt-BR" sz="2400" smtClean="0"/>
+                  <a:t>(procedimento) </a:t>
+                </a:r>
+                <a:r>
+                  <a:rPr lang="pt-BR" sz="2400" dirty="0" smtClean="0"/>
+                  <a:t>Jacobi </a:t>
+                </a:r>
                 <a:endParaRPr lang="pt-BR" sz="2400" dirty="0" smtClean="0"/>
               </a:p>
             </p:txBody>
           </p:sp>
         </mc:Choice>
-        <mc:Fallback xmlns="">
+        <mc:Fallback>
           <p:sp>
             <p:nvSpPr>
               <p:cNvPr id="3" name="Espaço Reservado para Conteúdo 2">
@@ -6913,7 +6969,7 @@
                 <a:hlinkClick r:id="rId2">
                   <a:extLst>
                     <a:ext uri="{A12FA001-AC4F-418D-AE19-62706E023703}">
-                      <ahyp:hlinkClr xmlns="" xmlns:ahyp="http://schemas.microsoft.com/office/drawing/2018/hyperlinkcolor" val="tx"/>
+                      <ahyp:hlinkClr xmlns:ahyp="http://schemas.microsoft.com/office/drawing/2018/hyperlinkcolor" xmlns="" val="tx"/>
                     </a:ext>
                   </a:extLst>
                 </a:hlinkClick>
@@ -6928,7 +6984,7 @@
                 <a:hlinkClick r:id="rId2">
                   <a:extLst>
                     <a:ext uri="{A12FA001-AC4F-418D-AE19-62706E023703}">
-                      <ahyp:hlinkClr xmlns="" xmlns:ahyp="http://schemas.microsoft.com/office/drawing/2018/hyperlinkcolor" val="tx"/>
+                      <ahyp:hlinkClr xmlns:ahyp="http://schemas.microsoft.com/office/drawing/2018/hyperlinkcolor" xmlns="" val="tx"/>
                     </a:ext>
                   </a:extLst>
                 </a:hlinkClick>
@@ -7003,25 +7059,7 @@
                 </a:solidFill>
                 <a:hlinkClick r:id="rId4"/>
               </a:rPr>
-              <a:t>https</a:t>
-            </a:r>
-            <a:r>
-              <a:rPr lang="pt-BR" sz="2000">
-                <a:solidFill>
-                  <a:srgbClr val="0070C0"/>
-                </a:solidFill>
-                <a:hlinkClick r:id="rId4"/>
-              </a:rPr>
-              <a:t>://https</a:t>
-            </a:r>
-            <a:r>
-              <a:rPr lang="pt-BR" sz="2000">
-                <a:solidFill>
-                  <a:srgbClr val="0070C0"/>
-                </a:solidFill>
-                <a:hlinkClick r:id="rId4"/>
-              </a:rPr>
-              <a:t>://</a:t>
+              <a:t>https://https://</a:t>
             </a:r>
             <a:r>
               <a:rPr lang="pt-BR" sz="2000" smtClean="0">
